--- a/docs/00_Tools/04_01_DE_Space-Template_Beispiel.pptx
+++ b/docs/00_Tools/04_01_DE_Space-Template_Beispiel.pptx
@@ -284,7 +284,7 @@
             <a:fld id="{2023E984-907B-4C02-AD30-59596885F264}" type="datetime1">
               <a:rPr lang="en-US" altLang="de-DE"/>
               <a:pPr/>
-              <a:t>9/13/2021</a:t>
+              <a:t>3/4/2022</a:t>
             </a:fld>
             <a:endParaRPr lang="en-US" altLang="de-DE"/>
           </a:p>
@@ -483,7 +483,7 @@
             <a:fld id="{99998E8B-72C7-4667-9559-14CE4110A7DE}" type="datetime1">
               <a:rPr lang="en-US" altLang="de-DE"/>
               <a:pPr/>
-              <a:t>9/13/2021</a:t>
+              <a:t>3/4/2022</a:t>
             </a:fld>
             <a:endParaRPr lang="en-US" altLang="de-DE"/>
           </a:p>
@@ -9258,288 +9258,6 @@
                 <a:srgbClr val="FF0000"/>
               </a:solidFill>
               <a:latin typeface="Myriad Pro" pitchFamily="-84" charset="0"/>
-            </a:endParaRPr>
-          </a:p>
-        </p:txBody>
-      </p:sp>
-      <p:sp>
-        <p:nvSpPr>
-          <p:cNvPr id="26626" name="TextBox 7"/>
-          <p:cNvSpPr txBox="1">
-            <a:spLocks noChangeArrowheads="1"/>
-          </p:cNvSpPr>
-          <p:nvPr/>
-        </p:nvSpPr>
-        <p:spPr bwMode="auto">
-          <a:xfrm>
-            <a:off x="11061700" y="9445625"/>
-            <a:ext cx="4144963" cy="477054"/>
-          </a:xfrm>
-          <a:prstGeom prst="rect">
-            <a:avLst/>
-          </a:prstGeom>
-          <a:noFill/>
-          <a:ln>
-            <a:noFill/>
-          </a:ln>
-          <a:extLst>
-            <a:ext uri="{909E8E84-426E-40DD-AFC4-6F175D3DCCD1}">
-              <a14:hiddenFill xmlns:a14="http://schemas.microsoft.com/office/drawing/2010/main">
-                <a:solidFill>
-                  <a:srgbClr val="FFFFFF"/>
-                </a:solidFill>
-              </a14:hiddenFill>
-            </a:ext>
-            <a:ext uri="{91240B29-F687-4F45-9708-019B960494DF}">
-              <a14:hiddenLine xmlns:a14="http://schemas.microsoft.com/office/drawing/2010/main" w="9525">
-                <a:solidFill>
-                  <a:srgbClr val="000000"/>
-                </a:solidFill>
-                <a:miter lim="800000"/>
-                <a:headEnd/>
-                <a:tailEnd/>
-              </a14:hiddenLine>
-            </a:ext>
-          </a:extLst>
-        </p:spPr>
-        <p:txBody>
-          <a:bodyPr>
-            <a:spAutoFit/>
-          </a:bodyPr>
-          <a:lstStyle>
-            <a:lvl1pPr eaLnBrk="0" hangingPunct="0">
-              <a:defRPr sz="2900">
-                <a:solidFill>
-                  <a:schemeClr val="tx1"/>
-                </a:solidFill>
-                <a:latin typeface="Arial" panose="020B0604020202020204" pitchFamily="34" charset="0"/>
-                <a:ea typeface="MS PGothic" panose="020B0600070205080204" pitchFamily="34" charset="-128"/>
-              </a:defRPr>
-            </a:lvl1pPr>
-            <a:lvl2pPr marL="742950" indent="-285750" eaLnBrk="0" hangingPunct="0">
-              <a:defRPr sz="2900">
-                <a:solidFill>
-                  <a:schemeClr val="tx1"/>
-                </a:solidFill>
-                <a:latin typeface="Arial" panose="020B0604020202020204" pitchFamily="34" charset="0"/>
-                <a:ea typeface="MS PGothic" panose="020B0600070205080204" pitchFamily="34" charset="-128"/>
-              </a:defRPr>
-            </a:lvl2pPr>
-            <a:lvl3pPr marL="1143000" indent="-228600" eaLnBrk="0" hangingPunct="0">
-              <a:defRPr sz="2900">
-                <a:solidFill>
-                  <a:schemeClr val="tx1"/>
-                </a:solidFill>
-                <a:latin typeface="Arial" panose="020B0604020202020204" pitchFamily="34" charset="0"/>
-                <a:ea typeface="MS PGothic" panose="020B0600070205080204" pitchFamily="34" charset="-128"/>
-              </a:defRPr>
-            </a:lvl3pPr>
-            <a:lvl4pPr marL="1600200" indent="-228600" eaLnBrk="0" hangingPunct="0">
-              <a:defRPr sz="2900">
-                <a:solidFill>
-                  <a:schemeClr val="tx1"/>
-                </a:solidFill>
-                <a:latin typeface="Arial" panose="020B0604020202020204" pitchFamily="34" charset="0"/>
-                <a:ea typeface="MS PGothic" panose="020B0600070205080204" pitchFamily="34" charset="-128"/>
-              </a:defRPr>
-            </a:lvl4pPr>
-            <a:lvl5pPr marL="2057400" indent="-228600" eaLnBrk="0" hangingPunct="0">
-              <a:defRPr sz="2900">
-                <a:solidFill>
-                  <a:schemeClr val="tx1"/>
-                </a:solidFill>
-                <a:latin typeface="Arial" panose="020B0604020202020204" pitchFamily="34" charset="0"/>
-                <a:ea typeface="MS PGothic" panose="020B0600070205080204" pitchFamily="34" charset="-128"/>
-              </a:defRPr>
-            </a:lvl5pPr>
-            <a:lvl6pPr marL="2514600" indent="-228600" defTabSz="730250" eaLnBrk="0" fontAlgn="base" hangingPunct="0">
-              <a:spcBef>
-                <a:spcPct val="0"/>
-              </a:spcBef>
-              <a:spcAft>
-                <a:spcPct val="0"/>
-              </a:spcAft>
-              <a:defRPr sz="2900">
-                <a:solidFill>
-                  <a:schemeClr val="tx1"/>
-                </a:solidFill>
-                <a:latin typeface="Arial" panose="020B0604020202020204" pitchFamily="34" charset="0"/>
-                <a:ea typeface="MS PGothic" panose="020B0600070205080204" pitchFamily="34" charset="-128"/>
-              </a:defRPr>
-            </a:lvl6pPr>
-            <a:lvl7pPr marL="2971800" indent="-228600" defTabSz="730250" eaLnBrk="0" fontAlgn="base" hangingPunct="0">
-              <a:spcBef>
-                <a:spcPct val="0"/>
-              </a:spcBef>
-              <a:spcAft>
-                <a:spcPct val="0"/>
-              </a:spcAft>
-              <a:defRPr sz="2900">
-                <a:solidFill>
-                  <a:schemeClr val="tx1"/>
-                </a:solidFill>
-                <a:latin typeface="Arial" panose="020B0604020202020204" pitchFamily="34" charset="0"/>
-                <a:ea typeface="MS PGothic" panose="020B0600070205080204" pitchFamily="34" charset="-128"/>
-              </a:defRPr>
-            </a:lvl7pPr>
-            <a:lvl8pPr marL="3429000" indent="-228600" defTabSz="730250" eaLnBrk="0" fontAlgn="base" hangingPunct="0">
-              <a:spcBef>
-                <a:spcPct val="0"/>
-              </a:spcBef>
-              <a:spcAft>
-                <a:spcPct val="0"/>
-              </a:spcAft>
-              <a:defRPr sz="2900">
-                <a:solidFill>
-                  <a:schemeClr val="tx1"/>
-                </a:solidFill>
-                <a:latin typeface="Arial" panose="020B0604020202020204" pitchFamily="34" charset="0"/>
-                <a:ea typeface="MS PGothic" panose="020B0600070205080204" pitchFamily="34" charset="-128"/>
-              </a:defRPr>
-            </a:lvl8pPr>
-            <a:lvl9pPr marL="3886200" indent="-228600" defTabSz="730250" eaLnBrk="0" fontAlgn="base" hangingPunct="0">
-              <a:spcBef>
-                <a:spcPct val="0"/>
-              </a:spcBef>
-              <a:spcAft>
-                <a:spcPct val="0"/>
-              </a:spcAft>
-              <a:defRPr sz="2900">
-                <a:solidFill>
-                  <a:schemeClr val="tx1"/>
-                </a:solidFill>
-                <a:latin typeface="Arial" panose="020B0604020202020204" pitchFamily="34" charset="0"/>
-                <a:ea typeface="MS PGothic" panose="020B0600070205080204" pitchFamily="34" charset="-128"/>
-              </a:defRPr>
-            </a:lvl9pPr>
-          </a:lstStyle>
-          <a:p>
-            <a:pPr algn="r">
-              <a:spcBef>
-                <a:spcPct val="50000"/>
-              </a:spcBef>
-            </a:pPr>
-            <a:r>
-              <a:rPr lang="en-US" altLang="de-DE" sz="1000" b="1" dirty="0" err="1" smtClean="0">
-                <a:solidFill>
-                  <a:srgbClr val="71706E"/>
-                </a:solidFill>
-                <a:latin typeface="Calibri" panose="020F0502020204030204" pitchFamily="34" charset="0"/>
-                <a:cs typeface="Calibri" panose="020F0502020204030204" pitchFamily="34" charset="0"/>
-              </a:rPr>
-              <a:t>Raumtempate</a:t>
-            </a:r>
-            <a:r>
-              <a:rPr lang="en-US" altLang="de-DE" sz="1000" b="1" dirty="0" smtClean="0">
-                <a:solidFill>
-                  <a:srgbClr val="71706E"/>
-                </a:solidFill>
-                <a:latin typeface="Calibri" panose="020F0502020204030204" pitchFamily="34" charset="0"/>
-                <a:cs typeface="Calibri" panose="020F0502020204030204" pitchFamily="34" charset="0"/>
-              </a:rPr>
-              <a:t> </a:t>
-            </a:r>
-            <a:r>
-              <a:rPr lang="en-US" altLang="de-DE" sz="1000" b="1" dirty="0">
-                <a:solidFill>
-                  <a:srgbClr val="71706E"/>
-                </a:solidFill>
-                <a:latin typeface="Calibri" panose="020F0502020204030204" pitchFamily="34" charset="0"/>
-                <a:cs typeface="Calibri" panose="020F0502020204030204" pitchFamily="34" charset="0"/>
-              </a:rPr>
-              <a:t>| </a:t>
-            </a:r>
-            <a:r>
-              <a:rPr lang="en-US" altLang="de-DE" sz="1000" b="1" dirty="0" smtClean="0">
-                <a:solidFill>
-                  <a:srgbClr val="71706E"/>
-                </a:solidFill>
-                <a:latin typeface="Calibri" panose="020F0502020204030204" pitchFamily="34" charset="0"/>
-                <a:cs typeface="Calibri" panose="020F0502020204030204" pitchFamily="34" charset="0"/>
-                <a:hlinkClick r:id="rId3"/>
-              </a:rPr>
-              <a:t>www.learningspacetoolkit.org</a:t>
-            </a:r>
-            <a:endParaRPr lang="en-US" altLang="de-DE" sz="1000" b="1" dirty="0" smtClean="0">
-              <a:solidFill>
-                <a:srgbClr val="71706E"/>
-              </a:solidFill>
-              <a:latin typeface="Calibri" panose="020F0502020204030204" pitchFamily="34" charset="0"/>
-              <a:cs typeface="Calibri" panose="020F0502020204030204" pitchFamily="34" charset="0"/>
-            </a:endParaRPr>
-          </a:p>
-          <a:p>
-            <a:pPr algn="r">
-              <a:spcBef>
-                <a:spcPct val="50000"/>
-              </a:spcBef>
-            </a:pPr>
-            <a:r>
-              <a:rPr lang="en-US" altLang="de-DE" sz="1000" b="1" dirty="0" err="1" smtClean="0">
-                <a:solidFill>
-                  <a:srgbClr val="71706E"/>
-                </a:solidFill>
-                <a:latin typeface="Calibri" panose="020F0502020204030204" pitchFamily="34" charset="0"/>
-                <a:cs typeface="Calibri" panose="020F0502020204030204" pitchFamily="34" charset="0"/>
-              </a:rPr>
-              <a:t>Übersetzung</a:t>
-            </a:r>
-            <a:r>
-              <a:rPr lang="en-US" altLang="de-DE" sz="1000" b="1" dirty="0" smtClean="0">
-                <a:solidFill>
-                  <a:srgbClr val="71706E"/>
-                </a:solidFill>
-                <a:latin typeface="Calibri" panose="020F0502020204030204" pitchFamily="34" charset="0"/>
-                <a:cs typeface="Calibri" panose="020F0502020204030204" pitchFamily="34" charset="0"/>
-              </a:rPr>
-              <a:t>: Dr. Katharina Zinke (</a:t>
-            </a:r>
-            <a:r>
-              <a:rPr lang="en-US" altLang="de-DE" sz="1000" b="1" dirty="0" err="1" smtClean="0">
-                <a:solidFill>
-                  <a:srgbClr val="71706E"/>
-                </a:solidFill>
-                <a:latin typeface="Calibri" panose="020F0502020204030204" pitchFamily="34" charset="0"/>
-                <a:cs typeface="Calibri" panose="020F0502020204030204" pitchFamily="34" charset="0"/>
-              </a:rPr>
-              <a:t>Unibibliothek</a:t>
-            </a:r>
-            <a:r>
-              <a:rPr lang="en-US" altLang="de-DE" sz="1000" b="1" dirty="0" smtClean="0">
-                <a:solidFill>
-                  <a:srgbClr val="71706E"/>
-                </a:solidFill>
-                <a:latin typeface="Calibri" panose="020F0502020204030204" pitchFamily="34" charset="0"/>
-                <a:cs typeface="Calibri" panose="020F0502020204030204" pitchFamily="34" charset="0"/>
-              </a:rPr>
-              <a:t> </a:t>
-            </a:r>
-            <a:r>
-              <a:rPr lang="en-US" altLang="de-DE" sz="1000" b="1" dirty="0" err="1" smtClean="0">
-                <a:solidFill>
-                  <a:srgbClr val="71706E"/>
-                </a:solidFill>
-                <a:latin typeface="Calibri" panose="020F0502020204030204" pitchFamily="34" charset="0"/>
-                <a:cs typeface="Calibri" panose="020F0502020204030204" pitchFamily="34" charset="0"/>
-              </a:rPr>
-              <a:t>Tübingen</a:t>
-            </a:r>
-            <a:r>
-              <a:rPr lang="en-US" altLang="de-DE" sz="1000" b="1" dirty="0" smtClean="0">
-                <a:solidFill>
-                  <a:srgbClr val="71706E"/>
-                </a:solidFill>
-                <a:latin typeface="Calibri" panose="020F0502020204030204" pitchFamily="34" charset="0"/>
-                <a:cs typeface="Calibri" panose="020F0502020204030204" pitchFamily="34" charset="0"/>
-              </a:rPr>
-              <a:t>)</a:t>
-            </a:r>
-            <a:endParaRPr lang="en-US" altLang="de-DE" sz="1000" b="1" dirty="0">
-              <a:solidFill>
-                <a:srgbClr val="71706E"/>
-              </a:solidFill>
-              <a:latin typeface="Calibri" panose="020F0502020204030204" pitchFamily="34" charset="0"/>
-              <a:cs typeface="Calibri" panose="020F0502020204030204" pitchFamily="34" charset="0"/>
             </a:endParaRPr>
           </a:p>
         </p:txBody>
@@ -10901,35 +10619,7 @@
                           <a:latin typeface="Calibri" panose="020F0502020204030204" pitchFamily="34" charset="0"/>
                           <a:ea typeface="MS PGothic" panose="020B0600070205080204" pitchFamily="34" charset="-128"/>
                         </a:rPr>
-                        <a:t>[ </a:t>
-                      </a:r>
-                      <a:r>
-                        <a:rPr kumimoji="0" lang="en-US" altLang="de-DE" sz="1600" b="0" i="0" u="none" strike="noStrike" cap="none" normalizeH="0" baseline="0" dirty="0" smtClean="0">
-                          <a:ln>
-                            <a:noFill/>
-                          </a:ln>
-                          <a:solidFill>
-                            <a:schemeClr val="tx1"/>
-                          </a:solidFill>
-                          <a:effectLst/>
-                          <a:latin typeface="Calibri" panose="020F0502020204030204" pitchFamily="34" charset="0"/>
-                          <a:ea typeface="MS PGothic" panose="020B0600070205080204" pitchFamily="34" charset="-128"/>
-                        </a:rPr>
-                        <a:t>] formal </a:t>
-                      </a:r>
-                      <a:r>
-                        <a:rPr kumimoji="0" lang="en-US" altLang="de-DE" sz="1600" b="0" i="0" u="none" strike="noStrike" cap="none" normalizeH="0" baseline="0" dirty="0" smtClean="0">
-                          <a:ln>
-                            <a:noFill/>
-                          </a:ln>
-                          <a:solidFill>
-                            <a:schemeClr val="tx1"/>
-                          </a:solidFill>
-                          <a:effectLst/>
-                          <a:latin typeface="Calibri" panose="020F0502020204030204" pitchFamily="34" charset="0"/>
-                          <a:ea typeface="MS PGothic" panose="020B0600070205080204" pitchFamily="34" charset="-128"/>
-                        </a:rPr>
-                        <a:t>[X] </a:t>
+                        <a:t>[ ] formal [X] </a:t>
                       </a:r>
                       <a:r>
                         <a:rPr kumimoji="0" lang="en-US" altLang="de-DE" sz="1600" b="0" i="0" u="none" strike="noStrike" cap="none" normalizeH="0" baseline="0" dirty="0" err="1" smtClean="0">
@@ -12263,7 +11953,7 @@
             <p:nvPr/>
           </p:nvPicPr>
           <p:blipFill>
-            <a:blip r:embed="rId4">
+            <a:blip r:embed="rId3">
               <a:extLst>
                 <a:ext uri="{28A0092B-C50C-407E-A947-70E740481C1C}">
                   <a14:useLocalDpi xmlns:a14="http://schemas.microsoft.com/office/drawing/2010/main" val="0"/>
@@ -12317,7 +12007,7 @@
             <p:nvPr/>
           </p:nvPicPr>
           <p:blipFill>
-            <a:blip r:embed="rId5">
+            <a:blip r:embed="rId4">
               <a:extLst>
                 <a:ext uri="{28A0092B-C50C-407E-A947-70E740481C1C}">
                   <a14:useLocalDpi xmlns:a14="http://schemas.microsoft.com/office/drawing/2010/main" val="0"/>
@@ -12371,7 +12061,7 @@
             <p:nvPr/>
           </p:nvPicPr>
           <p:blipFill>
-            <a:blip r:embed="rId6">
+            <a:blip r:embed="rId5">
               <a:extLst>
                 <a:ext uri="{28A0092B-C50C-407E-A947-70E740481C1C}">
                   <a14:useLocalDpi xmlns:a14="http://schemas.microsoft.com/office/drawing/2010/main" val="0"/>
@@ -12617,7 +12307,7 @@
           <p:nvPr/>
         </p:nvPicPr>
         <p:blipFill>
-          <a:blip r:embed="rId7">
+          <a:blip r:embed="rId6">
             <a:extLst>
               <a:ext uri="{28A0092B-C50C-407E-A947-70E740481C1C}">
                 <a14:useLocalDpi xmlns:a14="http://schemas.microsoft.com/office/drawing/2010/main" val="0"/>
@@ -12662,6 +12352,333 @@
           </a:extLst>
         </p:spPr>
       </p:pic>
+      <p:sp>
+        <p:nvSpPr>
+          <p:cNvPr id="14" name="TextBox 7"/>
+          <p:cNvSpPr txBox="1">
+            <a:spLocks noChangeArrowheads="1"/>
+          </p:cNvSpPr>
+          <p:nvPr/>
+        </p:nvSpPr>
+        <p:spPr bwMode="auto">
+          <a:xfrm>
+            <a:off x="10428287" y="9220517"/>
+            <a:ext cx="4144963" cy="738664"/>
+          </a:xfrm>
+          <a:prstGeom prst="rect">
+            <a:avLst/>
+          </a:prstGeom>
+          <a:noFill/>
+          <a:ln>
+            <a:noFill/>
+          </a:ln>
+          <a:extLst>
+            <a:ext uri="{909E8E84-426E-40DD-AFC4-6F175D3DCCD1}">
+              <a14:hiddenFill xmlns:a14="http://schemas.microsoft.com/office/drawing/2010/main">
+                <a:solidFill>
+                  <a:srgbClr val="FFFFFF"/>
+                </a:solidFill>
+              </a14:hiddenFill>
+            </a:ext>
+            <a:ext uri="{91240B29-F687-4F45-9708-019B960494DF}">
+              <a14:hiddenLine xmlns:a14="http://schemas.microsoft.com/office/drawing/2010/main" w="9525">
+                <a:solidFill>
+                  <a:srgbClr val="000000"/>
+                </a:solidFill>
+                <a:miter lim="800000"/>
+                <a:headEnd/>
+                <a:tailEnd/>
+              </a14:hiddenLine>
+            </a:ext>
+          </a:extLst>
+        </p:spPr>
+        <p:txBody>
+          <a:bodyPr>
+            <a:spAutoFit/>
+          </a:bodyPr>
+          <a:lstStyle>
+            <a:lvl1pPr eaLnBrk="0" hangingPunct="0">
+              <a:defRPr sz="2900">
+                <a:solidFill>
+                  <a:schemeClr val="tx1"/>
+                </a:solidFill>
+                <a:latin typeface="Arial" panose="020B0604020202020204" pitchFamily="34" charset="0"/>
+                <a:ea typeface="MS PGothic" panose="020B0600070205080204" pitchFamily="34" charset="-128"/>
+              </a:defRPr>
+            </a:lvl1pPr>
+            <a:lvl2pPr marL="742950" indent="-285750" eaLnBrk="0" hangingPunct="0">
+              <a:defRPr sz="2900">
+                <a:solidFill>
+                  <a:schemeClr val="tx1"/>
+                </a:solidFill>
+                <a:latin typeface="Arial" panose="020B0604020202020204" pitchFamily="34" charset="0"/>
+                <a:ea typeface="MS PGothic" panose="020B0600070205080204" pitchFamily="34" charset="-128"/>
+              </a:defRPr>
+            </a:lvl2pPr>
+            <a:lvl3pPr marL="1143000" indent="-228600" eaLnBrk="0" hangingPunct="0">
+              <a:defRPr sz="2900">
+                <a:solidFill>
+                  <a:schemeClr val="tx1"/>
+                </a:solidFill>
+                <a:latin typeface="Arial" panose="020B0604020202020204" pitchFamily="34" charset="0"/>
+                <a:ea typeface="MS PGothic" panose="020B0600070205080204" pitchFamily="34" charset="-128"/>
+              </a:defRPr>
+            </a:lvl3pPr>
+            <a:lvl4pPr marL="1600200" indent="-228600" eaLnBrk="0" hangingPunct="0">
+              <a:defRPr sz="2900">
+                <a:solidFill>
+                  <a:schemeClr val="tx1"/>
+                </a:solidFill>
+                <a:latin typeface="Arial" panose="020B0604020202020204" pitchFamily="34" charset="0"/>
+                <a:ea typeface="MS PGothic" panose="020B0600070205080204" pitchFamily="34" charset="-128"/>
+              </a:defRPr>
+            </a:lvl4pPr>
+            <a:lvl5pPr marL="2057400" indent="-228600" eaLnBrk="0" hangingPunct="0">
+              <a:defRPr sz="2900">
+                <a:solidFill>
+                  <a:schemeClr val="tx1"/>
+                </a:solidFill>
+                <a:latin typeface="Arial" panose="020B0604020202020204" pitchFamily="34" charset="0"/>
+                <a:ea typeface="MS PGothic" panose="020B0600070205080204" pitchFamily="34" charset="-128"/>
+              </a:defRPr>
+            </a:lvl5pPr>
+            <a:lvl6pPr marL="2514600" indent="-228600" defTabSz="730250" eaLnBrk="0" fontAlgn="base" hangingPunct="0">
+              <a:spcBef>
+                <a:spcPct val="0"/>
+              </a:spcBef>
+              <a:spcAft>
+                <a:spcPct val="0"/>
+              </a:spcAft>
+              <a:defRPr sz="2900">
+                <a:solidFill>
+                  <a:schemeClr val="tx1"/>
+                </a:solidFill>
+                <a:latin typeface="Arial" panose="020B0604020202020204" pitchFamily="34" charset="0"/>
+                <a:ea typeface="MS PGothic" panose="020B0600070205080204" pitchFamily="34" charset="-128"/>
+              </a:defRPr>
+            </a:lvl6pPr>
+            <a:lvl7pPr marL="2971800" indent="-228600" defTabSz="730250" eaLnBrk="0" fontAlgn="base" hangingPunct="0">
+              <a:spcBef>
+                <a:spcPct val="0"/>
+              </a:spcBef>
+              <a:spcAft>
+                <a:spcPct val="0"/>
+              </a:spcAft>
+              <a:defRPr sz="2900">
+                <a:solidFill>
+                  <a:schemeClr val="tx1"/>
+                </a:solidFill>
+                <a:latin typeface="Arial" panose="020B0604020202020204" pitchFamily="34" charset="0"/>
+                <a:ea typeface="MS PGothic" panose="020B0600070205080204" pitchFamily="34" charset="-128"/>
+              </a:defRPr>
+            </a:lvl7pPr>
+            <a:lvl8pPr marL="3429000" indent="-228600" defTabSz="730250" eaLnBrk="0" fontAlgn="base" hangingPunct="0">
+              <a:spcBef>
+                <a:spcPct val="0"/>
+              </a:spcBef>
+              <a:spcAft>
+                <a:spcPct val="0"/>
+              </a:spcAft>
+              <a:defRPr sz="2900">
+                <a:solidFill>
+                  <a:schemeClr val="tx1"/>
+                </a:solidFill>
+                <a:latin typeface="Arial" panose="020B0604020202020204" pitchFamily="34" charset="0"/>
+                <a:ea typeface="MS PGothic" panose="020B0600070205080204" pitchFamily="34" charset="-128"/>
+              </a:defRPr>
+            </a:lvl8pPr>
+            <a:lvl9pPr marL="3886200" indent="-228600" defTabSz="730250" eaLnBrk="0" fontAlgn="base" hangingPunct="0">
+              <a:spcBef>
+                <a:spcPct val="0"/>
+              </a:spcBef>
+              <a:spcAft>
+                <a:spcPct val="0"/>
+              </a:spcAft>
+              <a:defRPr sz="2900">
+                <a:solidFill>
+                  <a:schemeClr val="tx1"/>
+                </a:solidFill>
+                <a:latin typeface="Arial" panose="020B0604020202020204" pitchFamily="34" charset="0"/>
+                <a:ea typeface="MS PGothic" panose="020B0600070205080204" pitchFamily="34" charset="-128"/>
+              </a:defRPr>
+            </a:lvl9pPr>
+          </a:lstStyle>
+          <a:p>
+            <a:pPr algn="r">
+              <a:spcBef>
+                <a:spcPct val="50000"/>
+              </a:spcBef>
+            </a:pPr>
+            <a:r>
+              <a:rPr lang="en-US" altLang="de-DE" sz="1200" b="1" dirty="0" err="1" smtClean="0">
+                <a:solidFill>
+                  <a:srgbClr val="71706E"/>
+                </a:solidFill>
+                <a:latin typeface="Calibri" panose="020F0502020204030204" pitchFamily="34" charset="0"/>
+                <a:cs typeface="Calibri" panose="020F0502020204030204" pitchFamily="34" charset="0"/>
+              </a:rPr>
+              <a:t>Raumstemplate</a:t>
+            </a:r>
+            <a:r>
+              <a:rPr lang="en-US" altLang="de-DE" sz="1200" b="1" dirty="0" smtClean="0">
+                <a:solidFill>
+                  <a:srgbClr val="71706E"/>
+                </a:solidFill>
+                <a:latin typeface="Calibri" panose="020F0502020204030204" pitchFamily="34" charset="0"/>
+                <a:cs typeface="Calibri" panose="020F0502020204030204" pitchFamily="34" charset="0"/>
+              </a:rPr>
+              <a:t> | </a:t>
+            </a:r>
+            <a:r>
+              <a:rPr lang="en-US" altLang="de-DE" sz="1200" b="1" dirty="0" smtClean="0">
+                <a:solidFill>
+                  <a:srgbClr val="71706E"/>
+                </a:solidFill>
+                <a:latin typeface="Calibri" panose="020F0502020204030204" pitchFamily="34" charset="0"/>
+                <a:cs typeface="Calibri" panose="020F0502020204030204" pitchFamily="34" charset="0"/>
+                <a:hlinkClick r:id="rId7"/>
+              </a:rPr>
+              <a:t>www.learningspacetoolkit.org</a:t>
+            </a:r>
+            <a:endParaRPr lang="en-US" altLang="de-DE" sz="1000" b="1" dirty="0" smtClean="0">
+              <a:solidFill>
+                <a:srgbClr val="71706E"/>
+              </a:solidFill>
+              <a:latin typeface="Calibri" panose="020F0502020204030204" pitchFamily="34" charset="0"/>
+              <a:cs typeface="Calibri" panose="020F0502020204030204" pitchFamily="34" charset="0"/>
+            </a:endParaRPr>
+          </a:p>
+          <a:p>
+            <a:pPr algn="r">
+              <a:spcBef>
+                <a:spcPct val="50000"/>
+              </a:spcBef>
+            </a:pPr>
+            <a:r>
+              <a:rPr lang="en-US" altLang="de-DE" sz="1000" b="1" dirty="0" err="1" smtClean="0">
+                <a:solidFill>
+                  <a:srgbClr val="71706E"/>
+                </a:solidFill>
+                <a:latin typeface="Calibri" panose="020F0502020204030204" pitchFamily="34" charset="0"/>
+                <a:cs typeface="Calibri" panose="020F0502020204030204" pitchFamily="34" charset="0"/>
+              </a:rPr>
+              <a:t>Übersetzung</a:t>
+            </a:r>
+            <a:r>
+              <a:rPr lang="en-US" altLang="de-DE" sz="1000" b="1" dirty="0" smtClean="0">
+                <a:solidFill>
+                  <a:srgbClr val="71706E"/>
+                </a:solidFill>
+                <a:latin typeface="Calibri" panose="020F0502020204030204" pitchFamily="34" charset="0"/>
+                <a:cs typeface="Calibri" panose="020F0502020204030204" pitchFamily="34" charset="0"/>
+              </a:rPr>
+              <a:t>: Katharina Zinke, </a:t>
+            </a:r>
+            <a:r>
+              <a:rPr lang="en-US" altLang="de-DE" sz="1000" b="1" dirty="0" err="1" smtClean="0">
+                <a:solidFill>
+                  <a:srgbClr val="71706E"/>
+                </a:solidFill>
+                <a:latin typeface="Calibri" panose="020F0502020204030204" pitchFamily="34" charset="0"/>
+                <a:cs typeface="Calibri" panose="020F0502020204030204" pitchFamily="34" charset="0"/>
+              </a:rPr>
+              <a:t>Universitätsbibliothek</a:t>
+            </a:r>
+            <a:r>
+              <a:rPr lang="en-US" altLang="de-DE" sz="1000" b="1" dirty="0" smtClean="0">
+                <a:solidFill>
+                  <a:srgbClr val="71706E"/>
+                </a:solidFill>
+                <a:latin typeface="Calibri" panose="020F0502020204030204" pitchFamily="34" charset="0"/>
+                <a:cs typeface="Calibri" panose="020F0502020204030204" pitchFamily="34" charset="0"/>
+              </a:rPr>
+              <a:t> </a:t>
+            </a:r>
+            <a:r>
+              <a:rPr lang="en-US" altLang="de-DE" sz="1000" b="1" dirty="0" err="1" smtClean="0">
+                <a:solidFill>
+                  <a:srgbClr val="71706E"/>
+                </a:solidFill>
+                <a:latin typeface="Calibri" panose="020F0502020204030204" pitchFamily="34" charset="0"/>
+                <a:cs typeface="Calibri" panose="020F0502020204030204" pitchFamily="34" charset="0"/>
+              </a:rPr>
+              <a:t>Tübingen</a:t>
+            </a:r>
+            <a:endParaRPr lang="en-US" altLang="de-DE" sz="1000" b="1" dirty="0">
+              <a:solidFill>
+                <a:srgbClr val="71706E"/>
+              </a:solidFill>
+              <a:latin typeface="Calibri" panose="020F0502020204030204" pitchFamily="34" charset="0"/>
+              <a:cs typeface="Calibri" panose="020F0502020204030204" pitchFamily="34" charset="0"/>
+            </a:endParaRPr>
+          </a:p>
+          <a:p>
+            <a:pPr algn="r">
+              <a:spcBef>
+                <a:spcPct val="50000"/>
+              </a:spcBef>
+            </a:pPr>
+            <a:r>
+              <a:rPr lang="en-US" altLang="de-DE" sz="1000" b="1" dirty="0" err="1" smtClean="0">
+                <a:solidFill>
+                  <a:srgbClr val="71706E"/>
+                </a:solidFill>
+                <a:latin typeface="Calibri" panose="020F0502020204030204" pitchFamily="34" charset="0"/>
+                <a:cs typeface="Calibri" panose="020F0502020204030204" pitchFamily="34" charset="0"/>
+              </a:rPr>
+              <a:t>Lizenziert</a:t>
+            </a:r>
+            <a:r>
+              <a:rPr lang="en-US" altLang="de-DE" sz="1000" b="1" dirty="0" smtClean="0">
+                <a:solidFill>
+                  <a:srgbClr val="71706E"/>
+                </a:solidFill>
+                <a:latin typeface="Calibri" panose="020F0502020204030204" pitchFamily="34" charset="0"/>
+                <a:cs typeface="Calibri" panose="020F0502020204030204" pitchFamily="34" charset="0"/>
+              </a:rPr>
+              <a:t> </a:t>
+            </a:r>
+            <a:r>
+              <a:rPr lang="en-US" altLang="de-DE" sz="1000" b="1" dirty="0" err="1" smtClean="0">
+                <a:solidFill>
+                  <a:srgbClr val="71706E"/>
+                </a:solidFill>
+                <a:latin typeface="Calibri" panose="020F0502020204030204" pitchFamily="34" charset="0"/>
+                <a:cs typeface="Calibri" panose="020F0502020204030204" pitchFamily="34" charset="0"/>
+              </a:rPr>
+              <a:t>unter</a:t>
+            </a:r>
+            <a:r>
+              <a:rPr lang="en-US" altLang="de-DE" sz="1000" b="1" dirty="0" smtClean="0">
+                <a:solidFill>
+                  <a:srgbClr val="71706E"/>
+                </a:solidFill>
+                <a:latin typeface="Calibri" panose="020F0502020204030204" pitchFamily="34" charset="0"/>
+                <a:cs typeface="Calibri" panose="020F0502020204030204" pitchFamily="34" charset="0"/>
+              </a:rPr>
+              <a:t> </a:t>
+            </a:r>
+            <a:r>
+              <a:rPr lang="en-US" altLang="de-DE" sz="1000" b="1" dirty="0" smtClean="0">
+                <a:solidFill>
+                  <a:srgbClr val="71706E"/>
+                </a:solidFill>
+                <a:latin typeface="Calibri" panose="020F0502020204030204" pitchFamily="34" charset="0"/>
+                <a:cs typeface="Calibri" panose="020F0502020204030204" pitchFamily="34" charset="0"/>
+                <a:hlinkClick r:id="rId8"/>
+              </a:rPr>
+              <a:t>CC BY 4.0</a:t>
+            </a:r>
+            <a:endParaRPr lang="en-US" altLang="de-DE" sz="1000" b="1" dirty="0">
+              <a:solidFill>
+                <a:srgbClr val="71706E"/>
+              </a:solidFill>
+              <a:latin typeface="Calibri" panose="020F0502020204030204" pitchFamily="34" charset="0"/>
+              <a:cs typeface="Calibri" panose="020F0502020204030204" pitchFamily="34" charset="0"/>
+            </a:endParaRPr>
+          </a:p>
+        </p:txBody>
+      </p:sp>
     </p:spTree>
   </p:cSld>
   <p:clrMapOvr>
@@ -14345,7 +14362,7 @@
       </p:pic>
       <p:sp>
         <p:nvSpPr>
-          <p:cNvPr id="14" name="TextBox 7"/>
+          <p:cNvPr id="13" name="TextBox 7"/>
           <p:cNvSpPr txBox="1">
             <a:spLocks noChangeArrowheads="1"/>
           </p:cNvSpPr>
@@ -14353,8 +14370,8 @@
         </p:nvSpPr>
         <p:spPr bwMode="auto">
           <a:xfrm>
-            <a:off x="11061700" y="9445625"/>
-            <a:ext cx="4144963" cy="477054"/>
+            <a:off x="10428287" y="9220517"/>
+            <a:ext cx="4144963" cy="738664"/>
           </a:xfrm>
           <a:prstGeom prst="rect">
             <a:avLst/>
@@ -14501,37 +14518,27 @@
               </a:spcBef>
             </a:pPr>
             <a:r>
-              <a:rPr lang="en-US" altLang="de-DE" sz="1000" b="1" dirty="0" err="1" smtClean="0">
+              <a:rPr lang="en-US" altLang="de-DE" sz="1200" b="1" dirty="0" err="1" smtClean="0">
                 <a:solidFill>
                   <a:srgbClr val="71706E"/>
                 </a:solidFill>
                 <a:latin typeface="Calibri" panose="020F0502020204030204" pitchFamily="34" charset="0"/>
                 <a:cs typeface="Calibri" panose="020F0502020204030204" pitchFamily="34" charset="0"/>
               </a:rPr>
-              <a:t>Raumtempate</a:t>
-            </a:r>
-            <a:r>
-              <a:rPr lang="en-US" altLang="de-DE" sz="1000" b="1" dirty="0" smtClean="0">
+              <a:t>Raumstemplate</a:t>
+            </a:r>
+            <a:r>
+              <a:rPr lang="en-US" altLang="de-DE" sz="1200" b="1" dirty="0" smtClean="0">
                 <a:solidFill>
                   <a:srgbClr val="71706E"/>
                 </a:solidFill>
                 <a:latin typeface="Calibri" panose="020F0502020204030204" pitchFamily="34" charset="0"/>
                 <a:cs typeface="Calibri" panose="020F0502020204030204" pitchFamily="34" charset="0"/>
               </a:rPr>
-              <a:t> </a:t>
-            </a:r>
-            <a:r>
-              <a:rPr lang="en-US" altLang="de-DE" sz="1000" b="1" dirty="0">
-                <a:solidFill>
-                  <a:srgbClr val="71706E"/>
-                </a:solidFill>
-                <a:latin typeface="Calibri" panose="020F0502020204030204" pitchFamily="34" charset="0"/>
-                <a:cs typeface="Calibri" panose="020F0502020204030204" pitchFamily="34" charset="0"/>
-              </a:rPr>
-              <a:t>| </a:t>
-            </a:r>
-            <a:r>
-              <a:rPr lang="en-US" altLang="de-DE" sz="1000" b="1" dirty="0" smtClean="0">
+              <a:t> | </a:t>
+            </a:r>
+            <a:r>
+              <a:rPr lang="en-US" altLang="de-DE" sz="1200" b="1" dirty="0" smtClean="0">
                 <a:solidFill>
                   <a:srgbClr val="71706E"/>
                 </a:solidFill>
@@ -14573,7 +14580,7 @@
                 <a:latin typeface="Calibri" panose="020F0502020204030204" pitchFamily="34" charset="0"/>
                 <a:cs typeface="Calibri" panose="020F0502020204030204" pitchFamily="34" charset="0"/>
               </a:rPr>
-              <a:t>: Dr. Katharina Zinke (</a:t>
+              <a:t>: Katharina Zinke, </a:t>
             </a:r>
             <a:r>
               <a:rPr lang="en-US" altLang="de-DE" sz="1000" b="1" dirty="0" err="1" smtClean="0">
@@ -14583,7 +14590,7 @@
                 <a:latin typeface="Calibri" panose="020F0502020204030204" pitchFamily="34" charset="0"/>
                 <a:cs typeface="Calibri" panose="020F0502020204030204" pitchFamily="34" charset="0"/>
               </a:rPr>
-              <a:t>Unibibliothek</a:t>
+              <a:t>Universitätsbibliothek</a:t>
             </a:r>
             <a:r>
               <a:rPr lang="en-US" altLang="de-DE" sz="1000" b="1" dirty="0" smtClean="0">
@@ -14605,15 +14612,70 @@
               </a:rPr>
               <a:t>Tübingen</a:t>
             </a:r>
-            <a:r>
-              <a:rPr lang="en-US" altLang="de-DE" sz="1000" b="1" dirty="0" smtClean="0">
+            <a:endParaRPr lang="en-US" altLang="de-DE" sz="1000" b="1" dirty="0">
+              <a:solidFill>
+                <a:srgbClr val="71706E"/>
+              </a:solidFill>
+              <a:latin typeface="Calibri" panose="020F0502020204030204" pitchFamily="34" charset="0"/>
+              <a:cs typeface="Calibri" panose="020F0502020204030204" pitchFamily="34" charset="0"/>
+            </a:endParaRPr>
+          </a:p>
+          <a:p>
+            <a:pPr algn="r">
+              <a:spcBef>
+                <a:spcPct val="50000"/>
+              </a:spcBef>
+            </a:pPr>
+            <a:r>
+              <a:rPr lang="en-US" altLang="de-DE" sz="1000" b="1" smtClean="0">
                 <a:solidFill>
                   <a:srgbClr val="71706E"/>
                 </a:solidFill>
                 <a:latin typeface="Calibri" panose="020F0502020204030204" pitchFamily="34" charset="0"/>
                 <a:cs typeface="Calibri" panose="020F0502020204030204" pitchFamily="34" charset="0"/>
               </a:rPr>
-              <a:t>)</a:t>
+              <a:t>Lizenziert</a:t>
+            </a:r>
+            <a:r>
+              <a:rPr lang="en-US" altLang="de-DE" sz="1000" b="1" dirty="0" smtClean="0">
+                <a:solidFill>
+                  <a:srgbClr val="71706E"/>
+                </a:solidFill>
+                <a:latin typeface="Calibri" panose="020F0502020204030204" pitchFamily="34" charset="0"/>
+                <a:cs typeface="Calibri" panose="020F0502020204030204" pitchFamily="34" charset="0"/>
+              </a:rPr>
+              <a:t> </a:t>
+            </a:r>
+            <a:r>
+              <a:rPr lang="en-US" altLang="de-DE" sz="1000" b="1" dirty="0" err="1" smtClean="0">
+                <a:solidFill>
+                  <a:srgbClr val="71706E"/>
+                </a:solidFill>
+                <a:latin typeface="Calibri" panose="020F0502020204030204" pitchFamily="34" charset="0"/>
+                <a:cs typeface="Calibri" panose="020F0502020204030204" pitchFamily="34" charset="0"/>
+              </a:rPr>
+              <a:t>unter</a:t>
+            </a:r>
+            <a:r>
+              <a:rPr lang="en-US" altLang="de-DE" sz="1000" b="1" dirty="0" smtClean="0">
+                <a:solidFill>
+                  <a:srgbClr val="71706E"/>
+                </a:solidFill>
+                <a:latin typeface="Calibri" panose="020F0502020204030204" pitchFamily="34" charset="0"/>
+                <a:cs typeface="Calibri" panose="020F0502020204030204" pitchFamily="34" charset="0"/>
+              </a:rPr>
+              <a:t> </a:t>
+            </a:r>
+            <a:r>
+              <a:rPr lang="en-US" altLang="de-DE" sz="1000" b="1" dirty="0" smtClean="0">
+                <a:solidFill>
+                  <a:srgbClr val="71706E"/>
+                </a:solidFill>
+                <a:latin typeface="Calibri" panose="020F0502020204030204" pitchFamily="34" charset="0"/>
+                <a:cs typeface="Calibri" panose="020F0502020204030204" pitchFamily="34" charset="0"/>
+                <a:hlinkClick r:id="rId8"/>
+              </a:rPr>
+              <a:t>CC BY 4.0</a:t>
             </a:r>
             <a:endParaRPr lang="en-US" altLang="de-DE" sz="1000" b="1" dirty="0">
               <a:solidFill>
